--- a/Data-Mining-and-Statistics/PROBABILTY AND DATA MINING.pptx
+++ b/Data-Mining-and-Statistics/PROBABILTY AND DATA MINING.pptx
@@ -242,7 +242,7 @@
           <a:p>
             <a:fld id="{30E6E22E-288A-414B-A8DE-E4DBD03D5FC0}" type="datetimeFigureOut">
               <a:rPr lang="en-US"/>
-              <a:t>5/12/2023</a:t>
+              <a:t>6/12/2023</a:t>
             </a:fld>
             <a:endParaRPr dirty="0"/>
           </a:p>
@@ -407,7 +407,7 @@
           <a:p>
             <a:fld id="{39A9AE7E-E0F9-4C51-AD9A-F4C3A6E23BBF}" type="datetimeFigureOut">
               <a:rPr lang="en-US"/>
-              <a:t>5/12/2023</a:t>
+              <a:t>6/12/2023</a:t>
             </a:fld>
             <a:endParaRPr dirty="0"/>
           </a:p>
@@ -7230,7 +7230,7 @@
           <a:p>
             <a:r>
               <a:rPr lang="en-US" dirty="0"/>
-              <a:t>Doran academy</a:t>
+              <a:t>Gando Tech</a:t>
             </a:r>
           </a:p>
         </p:txBody>
@@ -7503,13 +7503,13 @@
   <p:clrMapOvr>
     <a:masterClrMapping/>
   </p:clrMapOvr>
-  <mc:AlternateContent xmlns:mc="http://schemas.openxmlformats.org/markup-compatibility/2006">
-    <mc:Choice xmlns:p14="http://schemas.microsoft.com/office/powerpoint/2010/main" Requires="p14">
+  <mc:AlternateContent xmlns:mc="http://schemas.openxmlformats.org/markup-compatibility/2006" xmlns:p14="http://schemas.microsoft.com/office/powerpoint/2010/main">
+    <mc:Choice Requires="p14">
       <p:transition spd="med" p14:dur="700">
         <p:fade/>
       </p:transition>
     </mc:Choice>
-    <mc:Fallback>
+    <mc:Fallback xmlns="">
       <p:transition spd="med">
         <p:fade/>
       </p:transition>
@@ -7594,7 +7594,7 @@
           <a:p>
             <a:r>
               <a:rPr lang="en-US" dirty="0"/>
-              <a:t>Doran academy</a:t>
+              <a:t>Gando Tech</a:t>
             </a:r>
           </a:p>
         </p:txBody>
@@ -7845,13 +7845,13 @@
   <p:clrMapOvr>
     <a:masterClrMapping/>
   </p:clrMapOvr>
-  <mc:AlternateContent xmlns:mc="http://schemas.openxmlformats.org/markup-compatibility/2006">
-    <mc:Choice xmlns:p14="http://schemas.microsoft.com/office/powerpoint/2010/main" Requires="p14">
+  <mc:AlternateContent xmlns:mc="http://schemas.openxmlformats.org/markup-compatibility/2006" xmlns:p14="http://schemas.microsoft.com/office/powerpoint/2010/main">
+    <mc:Choice Requires="p14">
       <p:transition spd="med" p14:dur="700">
         <p:fade/>
       </p:transition>
     </mc:Choice>
-    <mc:Fallback>
+    <mc:Fallback xmlns="">
       <p:transition spd="med">
         <p:fade/>
       </p:transition>
@@ -7936,7 +7936,7 @@
           <a:p>
             <a:r>
               <a:rPr lang="en-US" dirty="0"/>
-              <a:t>Doran academy</a:t>
+              <a:t>Gando Tech</a:t>
             </a:r>
           </a:p>
         </p:txBody>
@@ -8203,13 +8203,13 @@
   <p:clrMapOvr>
     <a:masterClrMapping/>
   </p:clrMapOvr>
-  <mc:AlternateContent xmlns:mc="http://schemas.openxmlformats.org/markup-compatibility/2006">
-    <mc:Choice xmlns:p14="http://schemas.microsoft.com/office/powerpoint/2010/main" Requires="p14">
+  <mc:AlternateContent xmlns:mc="http://schemas.openxmlformats.org/markup-compatibility/2006" xmlns:p14="http://schemas.microsoft.com/office/powerpoint/2010/main">
+    <mc:Choice Requires="p14">
       <p:transition spd="med" p14:dur="700">
         <p:fade/>
       </p:transition>
     </mc:Choice>
-    <mc:Fallback>
+    <mc:Fallback xmlns="">
       <p:transition spd="med">
         <p:fade/>
       </p:transition>
@@ -8294,7 +8294,7 @@
           <a:p>
             <a:r>
               <a:rPr lang="en-US" dirty="0"/>
-              <a:t>Doran academy</a:t>
+              <a:t>Gando Tech</a:t>
             </a:r>
           </a:p>
         </p:txBody>
@@ -8542,13 +8542,13 @@
   <p:clrMapOvr>
     <a:masterClrMapping/>
   </p:clrMapOvr>
-  <mc:AlternateContent xmlns:mc="http://schemas.openxmlformats.org/markup-compatibility/2006">
-    <mc:Choice xmlns:p14="http://schemas.microsoft.com/office/powerpoint/2010/main" Requires="p14">
+  <mc:AlternateContent xmlns:mc="http://schemas.openxmlformats.org/markup-compatibility/2006" xmlns:p14="http://schemas.microsoft.com/office/powerpoint/2010/main">
+    <mc:Choice Requires="p14">
       <p:transition spd="med" p14:dur="700">
         <p:fade/>
       </p:transition>
     </mc:Choice>
-    <mc:Fallback>
+    <mc:Fallback xmlns="">
       <p:transition spd="med">
         <p:fade/>
       </p:transition>
@@ -8633,7 +8633,7 @@
           <a:p>
             <a:r>
               <a:rPr lang="en-US" dirty="0"/>
-              <a:t>Doran academy</a:t>
+              <a:t>Gando Tech</a:t>
             </a:r>
           </a:p>
         </p:txBody>
@@ -8938,13 +8938,13 @@
   <p:clrMapOvr>
     <a:masterClrMapping/>
   </p:clrMapOvr>
-  <mc:AlternateContent xmlns:mc="http://schemas.openxmlformats.org/markup-compatibility/2006">
-    <mc:Choice xmlns:p14="http://schemas.microsoft.com/office/powerpoint/2010/main" Requires="p14">
+  <mc:AlternateContent xmlns:mc="http://schemas.openxmlformats.org/markup-compatibility/2006" xmlns:p14="http://schemas.microsoft.com/office/powerpoint/2010/main">
+    <mc:Choice Requires="p14">
       <p:transition spd="med" p14:dur="700">
         <p:fade/>
       </p:transition>
     </mc:Choice>
-    <mc:Fallback>
+    <mc:Fallback xmlns="">
       <p:transition spd="med">
         <p:fade/>
       </p:transition>
@@ -9029,7 +9029,7 @@
           <a:p>
             <a:r>
               <a:rPr lang="en-US" dirty="0"/>
-              <a:t>Doran academy</a:t>
+              <a:t>Gando Tech</a:t>
             </a:r>
           </a:p>
         </p:txBody>
@@ -9280,13 +9280,13 @@
   <p:clrMapOvr>
     <a:masterClrMapping/>
   </p:clrMapOvr>
-  <mc:AlternateContent xmlns:mc="http://schemas.openxmlformats.org/markup-compatibility/2006">
-    <mc:Choice xmlns:p14="http://schemas.microsoft.com/office/powerpoint/2010/main" Requires="p14">
+  <mc:AlternateContent xmlns:mc="http://schemas.openxmlformats.org/markup-compatibility/2006" xmlns:p14="http://schemas.microsoft.com/office/powerpoint/2010/main">
+    <mc:Choice Requires="p14">
       <p:transition spd="med" p14:dur="700">
         <p:fade/>
       </p:transition>
     </mc:Choice>
-    <mc:Fallback>
+    <mc:Fallback xmlns="">
       <p:transition spd="med">
         <p:fade/>
       </p:transition>
@@ -9371,7 +9371,7 @@
           <a:p>
             <a:r>
               <a:rPr lang="en-US" dirty="0"/>
-              <a:t>Doran academy</a:t>
+              <a:t>Gando Tech</a:t>
             </a:r>
           </a:p>
         </p:txBody>
@@ -9610,13 +9610,13 @@
   <p:clrMapOvr>
     <a:masterClrMapping/>
   </p:clrMapOvr>
-  <mc:AlternateContent xmlns:mc="http://schemas.openxmlformats.org/markup-compatibility/2006">
-    <mc:Choice xmlns:p14="http://schemas.microsoft.com/office/powerpoint/2010/main" Requires="p14">
+  <mc:AlternateContent xmlns:mc="http://schemas.openxmlformats.org/markup-compatibility/2006" xmlns:p14="http://schemas.microsoft.com/office/powerpoint/2010/main">
+    <mc:Choice Requires="p14">
       <p:transition spd="med" p14:dur="700">
         <p:fade/>
       </p:transition>
     </mc:Choice>
-    <mc:Fallback>
+    <mc:Fallback xmlns="">
       <p:transition spd="med">
         <p:fade/>
       </p:transition>
@@ -11552,7 +11552,7 @@
           <a:p>
             <a:r>
               <a:rPr lang="en-US" dirty="0"/>
-              <a:t>Doran academy</a:t>
+              <a:t>Gando Tech</a:t>
             </a:r>
           </a:p>
         </p:txBody>
@@ -11881,7 +11881,7 @@
           <a:p>
             <a:r>
               <a:rPr lang="en-US" dirty="0"/>
-              <a:t>Doran academy</a:t>
+              <a:t>Gando Tech</a:t>
             </a:r>
           </a:p>
         </p:txBody>
@@ -12157,13 +12157,13 @@
   <p:clrMapOvr>
     <a:masterClrMapping/>
   </p:clrMapOvr>
-  <mc:AlternateContent xmlns:mc="http://schemas.openxmlformats.org/markup-compatibility/2006">
-    <mc:Choice xmlns:p14="http://schemas.microsoft.com/office/powerpoint/2010/main" Requires="p14">
+  <mc:AlternateContent xmlns:mc="http://schemas.openxmlformats.org/markup-compatibility/2006" xmlns:p14="http://schemas.microsoft.com/office/powerpoint/2010/main">
+    <mc:Choice Requires="p14">
       <p:transition spd="med" p14:dur="700">
         <p:fade/>
       </p:transition>
     </mc:Choice>
-    <mc:Fallback>
+    <mc:Fallback xmlns="">
       <p:transition spd="med">
         <p:fade/>
       </p:transition>
@@ -12248,7 +12248,7 @@
           <a:p>
             <a:r>
               <a:rPr lang="en-US" dirty="0"/>
-              <a:t>Doran academy</a:t>
+              <a:t>Gando Tech</a:t>
             </a:r>
           </a:p>
         </p:txBody>
@@ -12448,13 +12448,13 @@
   <p:clrMapOvr>
     <a:masterClrMapping/>
   </p:clrMapOvr>
-  <mc:AlternateContent xmlns:mc="http://schemas.openxmlformats.org/markup-compatibility/2006">
-    <mc:Choice xmlns:p14="http://schemas.microsoft.com/office/powerpoint/2010/main" Requires="p14">
+  <mc:AlternateContent xmlns:mc="http://schemas.openxmlformats.org/markup-compatibility/2006" xmlns:p14="http://schemas.microsoft.com/office/powerpoint/2010/main">
+    <mc:Choice Requires="p14">
       <p:transition spd="med" p14:dur="700">
         <p:fade/>
       </p:transition>
     </mc:Choice>
-    <mc:Fallback>
+    <mc:Fallback xmlns="">
       <p:transition spd="med">
         <p:fade/>
       </p:transition>
@@ -12539,7 +12539,7 @@
           <a:p>
             <a:r>
               <a:rPr lang="en-US" dirty="0"/>
-              <a:t>Doran academy</a:t>
+              <a:t>Gando Tech</a:t>
             </a:r>
           </a:p>
         </p:txBody>
@@ -12780,13 +12780,13 @@
   <p:clrMapOvr>
     <a:masterClrMapping/>
   </p:clrMapOvr>
-  <mc:AlternateContent xmlns:mc="http://schemas.openxmlformats.org/markup-compatibility/2006">
-    <mc:Choice xmlns:p14="http://schemas.microsoft.com/office/powerpoint/2010/main" Requires="p14">
+  <mc:AlternateContent xmlns:mc="http://schemas.openxmlformats.org/markup-compatibility/2006" xmlns:p14="http://schemas.microsoft.com/office/powerpoint/2010/main">
+    <mc:Choice Requires="p14">
       <p:transition spd="med" p14:dur="700">
         <p:fade/>
       </p:transition>
     </mc:Choice>
-    <mc:Fallback>
+    <mc:Fallback xmlns="">
       <p:transition spd="med">
         <p:fade/>
       </p:transition>
@@ -12871,7 +12871,7 @@
           <a:p>
             <a:r>
               <a:rPr lang="en-US" dirty="0"/>
-              <a:t>Doran academy</a:t>
+              <a:t>Gando Tech</a:t>
             </a:r>
           </a:p>
         </p:txBody>
@@ -13163,13 +13163,13 @@
   <p:clrMapOvr>
     <a:masterClrMapping/>
   </p:clrMapOvr>
-  <mc:AlternateContent xmlns:mc="http://schemas.openxmlformats.org/markup-compatibility/2006">
-    <mc:Choice xmlns:p14="http://schemas.microsoft.com/office/powerpoint/2010/main" Requires="p14">
+  <mc:AlternateContent xmlns:mc="http://schemas.openxmlformats.org/markup-compatibility/2006" xmlns:p14="http://schemas.microsoft.com/office/powerpoint/2010/main">
+    <mc:Choice Requires="p14">
       <p:transition spd="med" p14:dur="700">
         <p:fade/>
       </p:transition>
     </mc:Choice>
-    <mc:Fallback>
+    <mc:Fallback xmlns="">
       <p:transition spd="med">
         <p:fade/>
       </p:transition>
@@ -13254,7 +13254,7 @@
           <a:p>
             <a:r>
               <a:rPr lang="en-US" dirty="0"/>
-              <a:t>Doran academy</a:t>
+              <a:t>Gando Tech</a:t>
             </a:r>
           </a:p>
         </p:txBody>
@@ -13508,13 +13508,13 @@
   <p:clrMapOvr>
     <a:masterClrMapping/>
   </p:clrMapOvr>
-  <mc:AlternateContent xmlns:mc="http://schemas.openxmlformats.org/markup-compatibility/2006">
-    <mc:Choice xmlns:p14="http://schemas.microsoft.com/office/powerpoint/2010/main" Requires="p14">
+  <mc:AlternateContent xmlns:mc="http://schemas.openxmlformats.org/markup-compatibility/2006" xmlns:p14="http://schemas.microsoft.com/office/powerpoint/2010/main">
+    <mc:Choice Requires="p14">
       <p:transition spd="med" p14:dur="700">
         <p:fade/>
       </p:transition>
     </mc:Choice>
-    <mc:Fallback>
+    <mc:Fallback xmlns="">
       <p:transition spd="med">
         <p:fade/>
       </p:transition>
@@ -13599,7 +13599,7 @@
           <a:p>
             <a:r>
               <a:rPr lang="en-US" dirty="0"/>
-              <a:t>Doran academy</a:t>
+              <a:t>Gando Tech</a:t>
             </a:r>
           </a:p>
         </p:txBody>
@@ -13837,13 +13837,13 @@
   <p:clrMapOvr>
     <a:masterClrMapping/>
   </p:clrMapOvr>
-  <mc:AlternateContent xmlns:mc="http://schemas.openxmlformats.org/markup-compatibility/2006">
-    <mc:Choice xmlns:p14="http://schemas.microsoft.com/office/powerpoint/2010/main" Requires="p14">
+  <mc:AlternateContent xmlns:mc="http://schemas.openxmlformats.org/markup-compatibility/2006" xmlns:p14="http://schemas.microsoft.com/office/powerpoint/2010/main">
+    <mc:Choice Requires="p14">
       <p:transition spd="med" p14:dur="700">
         <p:fade/>
       </p:transition>
     </mc:Choice>
-    <mc:Fallback>
+    <mc:Fallback xmlns="">
       <p:transition spd="med">
         <p:fade/>
       </p:transition>
@@ -13928,7 +13928,7 @@
           <a:p>
             <a:r>
               <a:rPr lang="en-US" dirty="0"/>
-              <a:t>Doran academy</a:t>
+              <a:t>Gando Tech</a:t>
             </a:r>
           </a:p>
         </p:txBody>
@@ -14220,13 +14220,13 @@
   <p:clrMapOvr>
     <a:masterClrMapping/>
   </p:clrMapOvr>
-  <mc:AlternateContent xmlns:mc="http://schemas.openxmlformats.org/markup-compatibility/2006">
-    <mc:Choice xmlns:p14="http://schemas.microsoft.com/office/powerpoint/2010/main" Requires="p14">
+  <mc:AlternateContent xmlns:mc="http://schemas.openxmlformats.org/markup-compatibility/2006" xmlns:p14="http://schemas.microsoft.com/office/powerpoint/2010/main">
+    <mc:Choice Requires="p14">
       <p:transition spd="med" p14:dur="700">
         <p:fade/>
       </p:transition>
     </mc:Choice>
-    <mc:Fallback>
+    <mc:Fallback xmlns="">
       <p:transition spd="med">
         <p:fade/>
       </p:transition>
@@ -14946,6 +14946,15 @@
 </file>
 
 <file path=customXml/item1.xml><?xml version="1.0" encoding="utf-8"?>
+<?mso-contentType ?>
+<FormTemplates xmlns="http://schemas.microsoft.com/sharepoint/v3/contenttype/forms">
+  <Display>DocumentLibraryForm</Display>
+  <Edit>DocumentLibraryForm</Edit>
+  <New>DocumentLibraryForm</New>
+</FormTemplates>
+</file>
+
+<file path=customXml/item2.xml><?xml version="1.0" encoding="utf-8"?>
 <p:properties xmlns:p="http://schemas.microsoft.com/office/2006/metadata/properties" xmlns:xsi="http://www.w3.org/2001/XMLSchema-instance" xmlns:pc="http://schemas.microsoft.com/office/infopath/2007/PartnerControls">
   <documentManagement>
     <_ip_UnifiedCompliancePolicyUIAction xmlns="http://schemas.microsoft.com/sharepoint/v3" xsi:nil="true"/>
@@ -14963,15 +14972,6 @@
     <MediaServiceKeyPoints xmlns="71af3243-3dd4-4a8d-8c0d-dd76da1f02a5" xsi:nil="true"/>
   </documentManagement>
 </p:properties>
-</file>
-
-<file path=customXml/item2.xml><?xml version="1.0" encoding="utf-8"?>
-<?mso-contentType ?>
-<FormTemplates xmlns="http://schemas.microsoft.com/sharepoint/v3/contenttype/forms">
-  <Display>DocumentLibraryForm</Display>
-  <Edit>DocumentLibraryForm</Edit>
-  <New>DocumentLibraryForm</New>
-</FormTemplates>
 </file>
 
 <file path=customXml/item3.xml><?xml version="1.0" encoding="utf-8"?>
@@ -15275,6 +15275,14 @@
 </file>
 
 <file path=customXml/itemProps1.xml><?xml version="1.0" encoding="utf-8"?>
+<ds:datastoreItem xmlns:ds="http://schemas.openxmlformats.org/officeDocument/2006/customXml" ds:itemID="{328458A3-99B8-4914-89E6-B86ADB0D7DF6}">
+  <ds:schemaRefs>
+    <ds:schemaRef ds:uri="http://schemas.microsoft.com/sharepoint/v3/contenttype/forms"/>
+  </ds:schemaRefs>
+</ds:datastoreItem>
+</file>
+
+<file path=customXml/itemProps2.xml><?xml version="1.0" encoding="utf-8"?>
 <ds:datastoreItem xmlns:ds="http://schemas.openxmlformats.org/officeDocument/2006/customXml" ds:itemID="{966EAEDD-6865-458C-AB5E-1E0979B7BC44}">
   <ds:schemaRefs>
     <ds:schemaRef ds:uri="http://schemas.microsoft.com/office/2006/metadata/properties"/>
@@ -15282,14 +15290,6 @@
     <ds:schemaRef ds:uri="http://schemas.microsoft.com/sharepoint/v3"/>
     <ds:schemaRef ds:uri="71af3243-3dd4-4a8d-8c0d-dd76da1f02a5"/>
     <ds:schemaRef ds:uri="230e9df3-be65-4c73-a93b-d1236ebd677e"/>
-  </ds:schemaRefs>
-</ds:datastoreItem>
-</file>
-
-<file path=customXml/itemProps2.xml><?xml version="1.0" encoding="utf-8"?>
-<ds:datastoreItem xmlns:ds="http://schemas.openxmlformats.org/officeDocument/2006/customXml" ds:itemID="{328458A3-99B8-4914-89E6-B86ADB0D7DF6}">
-  <ds:schemaRefs>
-    <ds:schemaRef ds:uri="http://schemas.microsoft.com/sharepoint/v3/contenttype/forms"/>
   </ds:schemaRefs>
 </ds:datastoreItem>
 </file>
